--- a/Final - Mid Quarter Update.pptx
+++ b/Final - Mid Quarter Update.pptx
@@ -132,7 +132,7 @@
   </p:defaultTextStyle>
   <p:extLst>
     <p:ext uri="{EFAFB233-063F-42B5-8137-9DF3F51BA10A}">
-      <p15:sldGuideLst xmlns="" xmlns:p15="http://schemas.microsoft.com/office/powerpoint/2012/main">
+      <p15:sldGuideLst xmlns:p15="http://schemas.microsoft.com/office/powerpoint/2012/main" xmlns="">
         <p15:guide id="1" orient="horz" pos="2160">
           <p15:clr>
             <a:srgbClr val="A4A3A4"/>
@@ -1172,7 +1172,7 @@
                   <c:v>954.595127777721</c:v>
                 </c:pt>
                 <c:pt idx="12">
-                  <c:v>929.4317883845198</c:v>
+                  <c:v>929.4317883845197</c:v>
                 </c:pt>
                 <c:pt idx="13">
                   <c:v>926.41570555219</c:v>
@@ -1190,16 +1190,16 @@
                   <c:v>695.123783532038</c:v>
                 </c:pt>
                 <c:pt idx="18">
-                  <c:v>633.5125241317718</c:v>
+                  <c:v>633.5125241317717</c:v>
                 </c:pt>
                 <c:pt idx="19">
-                  <c:v>526.4222627213485</c:v>
+                  <c:v>526.4222627213483</c:v>
                 </c:pt>
                 <c:pt idx="20">
                   <c:v>466.6964388042969</c:v>
                 </c:pt>
                 <c:pt idx="21">
-                  <c:v>463.3711724228848</c:v>
+                  <c:v>463.3711724228847</c:v>
                 </c:pt>
                 <c:pt idx="22">
                   <c:v>412.331754239455</c:v>
@@ -1211,13 +1211,13 @@
                   <c:v>356.1774371670261</c:v>
                 </c:pt>
                 <c:pt idx="25">
-                  <c:v>307.9679199457098</c:v>
+                  <c:v>307.9679199457097</c:v>
                 </c:pt>
                 <c:pt idx="26">
                   <c:v>284.990867085169</c:v>
                 </c:pt>
                 <c:pt idx="27">
-                  <c:v>271.2756780025808</c:v>
+                  <c:v>271.2756780025807</c:v>
                 </c:pt>
                 <c:pt idx="28">
                   <c:v>232.816648785619</c:v>
@@ -1247,13 +1247,13 @@
                   <c:v>67.6939334458915</c:v>
                 </c:pt>
                 <c:pt idx="37">
-                  <c:v>61.54128309983748</c:v>
+                  <c:v>61.54128309983746</c:v>
                 </c:pt>
                 <c:pt idx="38">
                   <c:v>61.4935367855658</c:v>
                 </c:pt>
                 <c:pt idx="39">
-                  <c:v>55.88749118691707</c:v>
+                  <c:v>55.88749118691706</c:v>
                 </c:pt>
                 <c:pt idx="40">
                   <c:v>51.907016181309</c:v>
@@ -1268,7 +1268,7 @@
                   <c:v>48.0616627148795</c:v>
                 </c:pt>
                 <c:pt idx="44">
-                  <c:v>44.85562842790338</c:v>
+                  <c:v>44.85562842790337</c:v>
                 </c:pt>
                 <c:pt idx="45">
                   <c:v>42.4992336325796</c:v>
@@ -1358,7 +1358,7 @@
                   <c:v>16.9053786295012</c:v>
                 </c:pt>
                 <c:pt idx="74">
-                  <c:v>16.38469263236489</c:v>
+                  <c:v>16.38469263236488</c:v>
                 </c:pt>
                 <c:pt idx="75">
                   <c:v>16.2094579287751</c:v>
@@ -1478,7 +1478,7 @@
                   <c:v>9.75820439943879</c:v>
                 </c:pt>
                 <c:pt idx="114">
-                  <c:v>9.738847671470534</c:v>
+                  <c:v>9.73884767147053</c:v>
                 </c:pt>
                 <c:pt idx="115">
                   <c:v>9.51541295320651</c:v>
@@ -1487,7 +1487,7 @@
                   <c:v>9.44634779479897</c:v>
                 </c:pt>
                 <c:pt idx="117">
-                  <c:v>9.264268914546776</c:v>
+                  <c:v>9.264268914546774</c:v>
                 </c:pt>
                 <c:pt idx="118">
                   <c:v>9.12675237928392</c:v>
@@ -1496,19 +1496,19 @@
                   <c:v>9.00952377968464</c:v>
                 </c:pt>
                 <c:pt idx="120">
-                  <c:v>8.819320040555526</c:v>
+                  <c:v>8.819320040555523</c:v>
                 </c:pt>
                 <c:pt idx="121">
                   <c:v>8.53118921561215</c:v>
                 </c:pt>
                 <c:pt idx="122">
-                  <c:v>8.530147021496376</c:v>
+                  <c:v>8.530147021496374</c:v>
                 </c:pt>
                 <c:pt idx="123">
                   <c:v>8.39834987720162</c:v>
                 </c:pt>
                 <c:pt idx="124">
-                  <c:v>8.275212862075826</c:v>
+                  <c:v>8.275212862075824</c:v>
                 </c:pt>
                 <c:pt idx="125">
                   <c:v>7.81649146050299</c:v>
@@ -1526,19 +1526,19 @@
                   <c:v>7.23542500561109</c:v>
                 </c:pt>
                 <c:pt idx="130">
-                  <c:v>7.207410740483958</c:v>
+                  <c:v>7.207410740483957</c:v>
                 </c:pt>
                 <c:pt idx="131">
-                  <c:v>7.128332258680587</c:v>
+                  <c:v>7.128332258680586</c:v>
                 </c:pt>
                 <c:pt idx="132">
                   <c:v>7.124764491453488</c:v>
                 </c:pt>
                 <c:pt idx="133">
-                  <c:v>7.097615597309428</c:v>
+                  <c:v>7.097615597309427</c:v>
                 </c:pt>
                 <c:pt idx="134">
-                  <c:v>6.993904268269648</c:v>
+                  <c:v>6.993904268269647</c:v>
                 </c:pt>
                 <c:pt idx="135">
                   <c:v>6.99282921878375</c:v>
@@ -1556,19 +1556,19 @@
                   <c:v>5.96679153036409</c:v>
                 </c:pt>
                 <c:pt idx="140">
-                  <c:v>5.663469910757798</c:v>
+                  <c:v>5.663469910757797</c:v>
                 </c:pt>
                 <c:pt idx="141">
-                  <c:v>5.647047687265348</c:v>
+                  <c:v>5.647047687265347</c:v>
                 </c:pt>
                 <c:pt idx="142">
                   <c:v>5.46638824354901</c:v>
                 </c:pt>
                 <c:pt idx="143">
-                  <c:v>5.300356337087068</c:v>
+                  <c:v>5.300356337087067</c:v>
                 </c:pt>
                 <c:pt idx="144">
-                  <c:v>5.171585619738257</c:v>
+                  <c:v>5.171585619738256</c:v>
                 </c:pt>
                 <c:pt idx="145">
                   <c:v>5.14126810759309</c:v>
@@ -1580,10 +1580,10 @@
                   <c:v>5.0575421231343</c:v>
                 </c:pt>
                 <c:pt idx="148">
-                  <c:v>4.934923827115417</c:v>
+                  <c:v>4.934923827115416</c:v>
                 </c:pt>
                 <c:pt idx="149">
-                  <c:v>4.847810967611797</c:v>
+                  <c:v>4.847810967611795</c:v>
                 </c:pt>
                 <c:pt idx="150">
                   <c:v>4.800075130626388</c:v>
@@ -1601,7 +1601,7 @@
                   <c:v>4.30922370242376</c:v>
                 </c:pt>
                 <c:pt idx="155">
-                  <c:v>4.285813552165508</c:v>
+                  <c:v>4.285813552165507</c:v>
                 </c:pt>
                 <c:pt idx="156">
                   <c:v>4.27043058141962</c:v>
@@ -1655,10 +1655,10 @@
                   <c:v>2.551485534286388</c:v>
                 </c:pt>
                 <c:pt idx="173">
-                  <c:v>2.418478919305178</c:v>
+                  <c:v>2.418478919305177</c:v>
                 </c:pt>
                 <c:pt idx="174">
-                  <c:v>2.418478919305178</c:v>
+                  <c:v>2.418478919305177</c:v>
                 </c:pt>
                 <c:pt idx="175">
                   <c:v>2.29410767692794</c:v>
@@ -1673,10 +1673,10 @@
                   <c:v>2.06156805225625</c:v>
                 </c:pt>
                 <c:pt idx="179">
-                  <c:v>2.051069133460088</c:v>
+                  <c:v>2.051069133460087</c:v>
                 </c:pt>
                 <c:pt idx="180">
-                  <c:v>2.051069133460088</c:v>
+                  <c:v>2.051069133460087</c:v>
                 </c:pt>
                 <c:pt idx="181">
                   <c:v>2.01661651253902</c:v>
@@ -1899,11 +1899,11 @@
         </c:dLbls>
         <c:gapWidth val="219"/>
         <c:overlap val="-27"/>
-        <c:axId val="2054394296"/>
-        <c:axId val="2054397960"/>
+        <c:axId val="-2139544696"/>
+        <c:axId val="-2140998376"/>
       </c:barChart>
       <c:catAx>
-        <c:axId val="2054394296"/>
+        <c:axId val="-2139544696"/>
         <c:scaling>
           <c:orientation val="minMax"/>
         </c:scaling>
@@ -1946,7 +1946,7 @@
             <a:endParaRPr lang="en-US"/>
           </a:p>
         </c:txPr>
-        <c:crossAx val="2054397960"/>
+        <c:crossAx val="-2140998376"/>
         <c:crosses val="autoZero"/>
         <c:auto val="1"/>
         <c:lblAlgn val="ctr"/>
@@ -1954,7 +1954,7 @@
         <c:noMultiLvlLbl val="0"/>
       </c:catAx>
       <c:valAx>
-        <c:axId val="2054397960"/>
+        <c:axId val="-2140998376"/>
         <c:scaling>
           <c:orientation val="minMax"/>
         </c:scaling>
@@ -2005,7 +2005,7 @@
             <a:endParaRPr lang="en-US"/>
           </a:p>
         </c:txPr>
-        <c:crossAx val="2054394296"/>
+        <c:crossAx val="-2139544696"/>
         <c:crosses val="autoZero"/>
         <c:crossBetween val="between"/>
       </c:valAx>
@@ -3646,11 +3646,11 @@
         </c:dLbls>
         <c:gapWidth val="219"/>
         <c:overlap val="-27"/>
-        <c:axId val="-2141449176"/>
-        <c:axId val="-2141445656"/>
+        <c:axId val="-2118792200"/>
+        <c:axId val="-2118788696"/>
       </c:barChart>
       <c:catAx>
-        <c:axId val="-2141449176"/>
+        <c:axId val="-2118792200"/>
         <c:scaling>
           <c:orientation val="minMax"/>
         </c:scaling>
@@ -3693,7 +3693,7 @@
             <a:endParaRPr lang="en-US"/>
           </a:p>
         </c:txPr>
-        <c:crossAx val="-2141445656"/>
+        <c:crossAx val="-2118788696"/>
         <c:crosses val="autoZero"/>
         <c:auto val="1"/>
         <c:lblAlgn val="ctr"/>
@@ -3701,7 +3701,7 @@
         <c:noMultiLvlLbl val="0"/>
       </c:catAx>
       <c:valAx>
-        <c:axId val="-2141445656"/>
+        <c:axId val="-2118788696"/>
         <c:scaling>
           <c:orientation val="minMax"/>
         </c:scaling>
@@ -3752,7 +3752,7 @@
             <a:endParaRPr lang="en-US"/>
           </a:p>
         </c:txPr>
-        <c:crossAx val="-2141449176"/>
+        <c:crossAx val="-2118792200"/>
         <c:crosses val="autoZero"/>
         <c:crossBetween val="between"/>
       </c:valAx>
@@ -4643,7 +4643,7 @@
                   <c:v>4556.58005499102</c:v>
                 </c:pt>
                 <c:pt idx="4">
-                  <c:v>4517.073992982257</c:v>
+                  <c:v>4517.073992982256</c:v>
                 </c:pt>
                 <c:pt idx="5">
                   <c:v>4435.08240457895</c:v>
@@ -4655,7 +4655,7 @@
                   <c:v>4391.18790038312</c:v>
                 </c:pt>
                 <c:pt idx="8">
-                  <c:v>4329.280482933478</c:v>
+                  <c:v>4329.280482933477</c:v>
                 </c:pt>
                 <c:pt idx="9">
                   <c:v>4244.96341709792</c:v>
@@ -4721,7 +4721,7 @@
                   <c:v>757.694373805837</c:v>
                 </c:pt>
                 <c:pt idx="30">
-                  <c:v>670.2002284235567</c:v>
+                  <c:v>670.2002284235566</c:v>
                 </c:pt>
                 <c:pt idx="31">
                   <c:v>515.129286554368</c:v>
@@ -4745,10 +4745,10 @@
                   <c:v>297.5895039058919</c:v>
                 </c:pt>
                 <c:pt idx="38">
-                  <c:v>266.4809955781218</c:v>
+                  <c:v>266.4809955781217</c:v>
                 </c:pt>
                 <c:pt idx="39">
-                  <c:v>265.7673552183778</c:v>
+                  <c:v>265.7673552183777</c:v>
                 </c:pt>
                 <c:pt idx="40">
                   <c:v>265.082419381593</c:v>
@@ -4892,7 +4892,7 @@
                   <c:v>101.010942029673</c:v>
                 </c:pt>
                 <c:pt idx="87">
-                  <c:v>99.95779281319767</c:v>
+                  <c:v>99.95779281319766</c:v>
                 </c:pt>
                 <c:pt idx="88">
                   <c:v>98.6714253456129</c:v>
@@ -4913,19 +4913,19 @@
                   <c:v>96.047460928861</c:v>
                 </c:pt>
                 <c:pt idx="94">
-                  <c:v>95.98071254673955</c:v>
+                  <c:v>95.98071254673954</c:v>
                 </c:pt>
                 <c:pt idx="95">
-                  <c:v>95.61894210339787</c:v>
+                  <c:v>95.61894210339786</c:v>
                 </c:pt>
                 <c:pt idx="96">
-                  <c:v>94.17566175541867</c:v>
+                  <c:v>94.17566175541866</c:v>
                 </c:pt>
                 <c:pt idx="97">
-                  <c:v>93.72872530213577</c:v>
+                  <c:v>93.72872530213576</c:v>
                 </c:pt>
                 <c:pt idx="98">
-                  <c:v>92.52330075867974</c:v>
+                  <c:v>92.52330075867972</c:v>
                 </c:pt>
                 <c:pt idx="99">
                   <c:v>91.7336477094972</c:v>
@@ -4937,22 +4937,22 @@
                   <c:v>90.8454484628073</c:v>
                 </c:pt>
                 <c:pt idx="102">
-                  <c:v>90.66739682550484</c:v>
+                  <c:v>90.66739682550482</c:v>
                 </c:pt>
                 <c:pt idx="103">
-                  <c:v>90.64538704729239</c:v>
+                  <c:v>90.64538704729237</c:v>
                 </c:pt>
                 <c:pt idx="104">
                   <c:v>88.2916929235407</c:v>
                 </c:pt>
                 <c:pt idx="105">
-                  <c:v>87.79388645669617</c:v>
+                  <c:v>87.79388645669616</c:v>
                 </c:pt>
                 <c:pt idx="106">
                   <c:v>87.60195859037188</c:v>
                 </c:pt>
                 <c:pt idx="107">
-                  <c:v>87.42578013587924</c:v>
+                  <c:v>87.42578013587922</c:v>
                 </c:pt>
                 <c:pt idx="108">
                   <c:v>87.1466931884013</c:v>
@@ -4961,7 +4961,7 @@
                   <c:v>86.7302282808918</c:v>
                 </c:pt>
                 <c:pt idx="110">
-                  <c:v>85.33502133735455</c:v>
+                  <c:v>85.33502133735453</c:v>
                 </c:pt>
                 <c:pt idx="111">
                   <c:v>84.4536233231851</c:v>
@@ -4970,10 +4970,10 @@
                   <c:v>82.56413351878258</c:v>
                 </c:pt>
                 <c:pt idx="113">
-                  <c:v>79.69915125398155</c:v>
+                  <c:v>79.69915125398154</c:v>
                 </c:pt>
                 <c:pt idx="114">
-                  <c:v>79.35298519721647</c:v>
+                  <c:v>79.35298519721645</c:v>
                 </c:pt>
                 <c:pt idx="115">
                   <c:v>78.9170249687236</c:v>
@@ -4982,7 +4982,7 @@
                   <c:v>77.4334576572042</c:v>
                 </c:pt>
                 <c:pt idx="117">
-                  <c:v>76.59974481589347</c:v>
+                  <c:v>76.59974481589346</c:v>
                 </c:pt>
                 <c:pt idx="118">
                   <c:v>76.2858243842491</c:v>
@@ -4991,7 +4991,7 @@
                   <c:v>74.4281949218334</c:v>
                 </c:pt>
                 <c:pt idx="120">
-                  <c:v>74.38236497350559</c:v>
+                  <c:v>74.38236497350557</c:v>
                 </c:pt>
                 <c:pt idx="121">
                   <c:v>74.27294447469868</c:v>
@@ -5000,13 +5000,13 @@
                   <c:v>72.8479168793936</c:v>
                 </c:pt>
                 <c:pt idx="123">
-                  <c:v>72.07538761082472</c:v>
+                  <c:v>72.07538761082468</c:v>
                 </c:pt>
                 <c:pt idx="124">
-                  <c:v>71.52716683945337</c:v>
+                  <c:v>71.52716683945336</c:v>
                 </c:pt>
                 <c:pt idx="125">
-                  <c:v>68.51678405740789</c:v>
+                  <c:v>68.51678405740788</c:v>
                 </c:pt>
                 <c:pt idx="126">
                   <c:v>68.4582563593253</c:v>
@@ -5033,13 +5033,13 @@
                   <c:v>63.7619177128948</c:v>
                 </c:pt>
                 <c:pt idx="134">
-                  <c:v>63.35025137896248</c:v>
+                  <c:v>63.35025137896247</c:v>
                 </c:pt>
                 <c:pt idx="135">
                   <c:v>62.830635100333</c:v>
                 </c:pt>
                 <c:pt idx="136">
-                  <c:v>62.51536042726688</c:v>
+                  <c:v>62.51536042726687</c:v>
                 </c:pt>
                 <c:pt idx="137">
                   <c:v>58.3208723546502</c:v>
@@ -5060,10 +5060,10 @@
                   <c:v>55.9323825009305</c:v>
                 </c:pt>
                 <c:pt idx="143">
-                  <c:v>53.88452721578378</c:v>
+                  <c:v>53.88452721578377</c:v>
                 </c:pt>
                 <c:pt idx="144">
-                  <c:v>52.71318906576617</c:v>
+                  <c:v>52.71318906576616</c:v>
                 </c:pt>
                 <c:pt idx="145">
                   <c:v>51.405772264933</c:v>
@@ -5078,13 +5078,13 @@
                   <c:v>45.5532239242881</c:v>
                 </c:pt>
                 <c:pt idx="149">
-                  <c:v>44.83169845514938</c:v>
+                  <c:v>44.83169845514936</c:v>
                 </c:pt>
                 <c:pt idx="150">
                   <c:v>44.6274711897753</c:v>
                 </c:pt>
                 <c:pt idx="151">
-                  <c:v>44.11418336719618</c:v>
+                  <c:v>44.11418336719617</c:v>
                 </c:pt>
                 <c:pt idx="152">
                   <c:v>43.8693047632758</c:v>
@@ -5093,22 +5093,22 @@
                   <c:v>40.6958242020233</c:v>
                 </c:pt>
                 <c:pt idx="154">
-                  <c:v>40.36849149730237</c:v>
+                  <c:v>40.36849149730236</c:v>
                 </c:pt>
                 <c:pt idx="155">
-                  <c:v>40.16765436991318</c:v>
+                  <c:v>40.16765436991317</c:v>
                 </c:pt>
                 <c:pt idx="156">
                   <c:v>40.0580037875042</c:v>
                 </c:pt>
                 <c:pt idx="157">
-                  <c:v>39.68113051061358</c:v>
+                  <c:v>39.68113051061357</c:v>
                 </c:pt>
                 <c:pt idx="158">
                   <c:v>35.3905818198368</c:v>
                 </c:pt>
                 <c:pt idx="159">
-                  <c:v>35.06645545504868</c:v>
+                  <c:v>35.06645545504867</c:v>
                 </c:pt>
                 <c:pt idx="160">
                   <c:v>34.2533837085735</c:v>
@@ -5123,13 +5123,13 @@
                   <c:v>30.5000012029919</c:v>
                 </c:pt>
                 <c:pt idx="164">
-                  <c:v>29.94253481614899</c:v>
+                  <c:v>29.94253481614898</c:v>
                 </c:pt>
                 <c:pt idx="165">
-                  <c:v>29.91634603034938</c:v>
+                  <c:v>29.91634603034937</c:v>
                 </c:pt>
                 <c:pt idx="166">
-                  <c:v>29.58347358690138</c:v>
+                  <c:v>29.58347358690137</c:v>
                 </c:pt>
                 <c:pt idx="167">
                   <c:v>28.66901454269041</c:v>
@@ -5138,7 +5138,7 @@
                   <c:v>27.7670400069148</c:v>
                 </c:pt>
                 <c:pt idx="169">
-                  <c:v>27.74529428347338</c:v>
+                  <c:v>27.74529428347337</c:v>
                 </c:pt>
                 <c:pt idx="170">
                   <c:v>27.0369073686906</c:v>
@@ -5246,16 +5246,16 @@
                   <c:v>5.85375615257452</c:v>
                 </c:pt>
                 <c:pt idx="205">
-                  <c:v>4.803187168234418</c:v>
+                  <c:v>4.803187168234417</c:v>
                 </c:pt>
                 <c:pt idx="206">
-                  <c:v>4.686435264210068</c:v>
+                  <c:v>4.686435264210067</c:v>
                 </c:pt>
                 <c:pt idx="207">
-                  <c:v>4.548690877851718</c:v>
+                  <c:v>4.548690877851717</c:v>
                 </c:pt>
                 <c:pt idx="208">
-                  <c:v>4.548690877851718</c:v>
+                  <c:v>4.548690877851717</c:v>
                 </c:pt>
                 <c:pt idx="209">
                   <c:v>4.35370991225125</c:v>
@@ -5264,31 +5264,31 @@
                   <c:v>4.35370991225125</c:v>
                 </c:pt>
                 <c:pt idx="211">
-                  <c:v>3.446459159316228</c:v>
+                  <c:v>3.446459159316227</c:v>
                 </c:pt>
                 <c:pt idx="212">
-                  <c:v>3.446459159316228</c:v>
+                  <c:v>3.446459159316227</c:v>
                 </c:pt>
                 <c:pt idx="213">
-                  <c:v>3.446459159316228</c:v>
+                  <c:v>3.446459159316227</c:v>
                 </c:pt>
                 <c:pt idx="214">
-                  <c:v>3.446459159316228</c:v>
+                  <c:v>3.446459159316227</c:v>
                 </c:pt>
                 <c:pt idx="215">
-                  <c:v>3.446459159316228</c:v>
+                  <c:v>3.446459159316227</c:v>
                 </c:pt>
                 <c:pt idx="216">
-                  <c:v>3.446459159316228</c:v>
+                  <c:v>3.446459159316227</c:v>
                 </c:pt>
                 <c:pt idx="217">
-                  <c:v>3.446459159316228</c:v>
+                  <c:v>3.446459159316227</c:v>
                 </c:pt>
                 <c:pt idx="218">
-                  <c:v>3.446459159316228</c:v>
+                  <c:v>3.446459159316227</c:v>
                 </c:pt>
                 <c:pt idx="219">
-                  <c:v>3.446459159316228</c:v>
+                  <c:v>3.446459159316227</c:v>
                 </c:pt>
                 <c:pt idx="220">
                   <c:v>3.34069410081232</c:v>
@@ -5394,11 +5394,11 @@
         </c:dLbls>
         <c:gapWidth val="219"/>
         <c:overlap val="-27"/>
-        <c:axId val="-2141397784"/>
-        <c:axId val="-2141394120"/>
+        <c:axId val="-2118741384"/>
+        <c:axId val="-2118737720"/>
       </c:barChart>
       <c:catAx>
-        <c:axId val="-2141397784"/>
+        <c:axId val="-2118741384"/>
         <c:scaling>
           <c:orientation val="minMax"/>
         </c:scaling>
@@ -5441,7 +5441,7 @@
             <a:endParaRPr lang="en-US"/>
           </a:p>
         </c:txPr>
-        <c:crossAx val="-2141394120"/>
+        <c:crossAx val="-2118737720"/>
         <c:crosses val="autoZero"/>
         <c:auto val="1"/>
         <c:lblAlgn val="ctr"/>
@@ -5449,7 +5449,7 @@
         <c:noMultiLvlLbl val="0"/>
       </c:catAx>
       <c:valAx>
-        <c:axId val="-2141394120"/>
+        <c:axId val="-2118737720"/>
         <c:scaling>
           <c:orientation val="minMax"/>
         </c:scaling>
@@ -5500,7 +5500,7 @@
             <a:endParaRPr lang="en-US"/>
           </a:p>
         </c:txPr>
-        <c:crossAx val="-2141397784"/>
+        <c:crossAx val="-2118741384"/>
         <c:crosses val="autoZero"/>
         <c:crossBetween val="between"/>
       </c:valAx>
@@ -7144,11 +7144,11 @@
         </c:dLbls>
         <c:gapWidth val="219"/>
         <c:overlap val="-27"/>
-        <c:axId val="-2141356872"/>
-        <c:axId val="-2141353368"/>
+        <c:axId val="-2118700456"/>
+        <c:axId val="-2118696952"/>
       </c:barChart>
       <c:catAx>
-        <c:axId val="-2141356872"/>
+        <c:axId val="-2118700456"/>
         <c:scaling>
           <c:orientation val="minMax"/>
         </c:scaling>
@@ -7191,7 +7191,7 @@
             <a:endParaRPr lang="en-US"/>
           </a:p>
         </c:txPr>
-        <c:crossAx val="-2141353368"/>
+        <c:crossAx val="-2118696952"/>
         <c:crosses val="autoZero"/>
         <c:auto val="1"/>
         <c:lblAlgn val="ctr"/>
@@ -7199,7 +7199,7 @@
         <c:noMultiLvlLbl val="0"/>
       </c:catAx>
       <c:valAx>
-        <c:axId val="-2141353368"/>
+        <c:axId val="-2118696952"/>
         <c:scaling>
           <c:orientation val="minMax"/>
         </c:scaling>
@@ -7250,7 +7250,7 @@
             <a:endParaRPr lang="en-US"/>
           </a:p>
         </c:txPr>
-        <c:crossAx val="-2141356872"/>
+        <c:crossAx val="-2118700456"/>
         <c:crosses val="autoZero"/>
         <c:crossBetween val="between"/>
       </c:valAx>
@@ -7432,11 +7432,11 @@
           <c:showBubbleSize val="0"/>
         </c:dLbls>
         <c:gapWidth val="150"/>
-        <c:axId val="-2144834792"/>
-        <c:axId val="-2144832568"/>
+        <c:axId val="-2137284776"/>
+        <c:axId val="-2137281800"/>
       </c:barChart>
       <c:catAx>
-        <c:axId val="-2144834792"/>
+        <c:axId val="-2137284776"/>
         <c:scaling>
           <c:orientation val="minMax"/>
         </c:scaling>
@@ -7446,7 +7446,7 @@
         <c:majorTickMark val="out"/>
         <c:minorTickMark val="none"/>
         <c:tickLblPos val="nextTo"/>
-        <c:crossAx val="-2144832568"/>
+        <c:crossAx val="-2137281800"/>
         <c:crosses val="autoZero"/>
         <c:auto val="1"/>
         <c:lblAlgn val="ctr"/>
@@ -7454,7 +7454,7 @@
         <c:noMultiLvlLbl val="0"/>
       </c:catAx>
       <c:valAx>
-        <c:axId val="-2144832568"/>
+        <c:axId val="-2137281800"/>
         <c:scaling>
           <c:orientation val="minMax"/>
         </c:scaling>
@@ -7465,7 +7465,7 @@
         <c:majorTickMark val="out"/>
         <c:minorTickMark val="none"/>
         <c:tickLblPos val="nextTo"/>
-        <c:crossAx val="-2144834792"/>
+        <c:crossAx val="-2137284776"/>
         <c:crosses val="autoZero"/>
         <c:crossBetween val="between"/>
       </c:valAx>
@@ -7560,8 +7560,16 @@
                   <a:lstStyle/>
                   <a:p>
                     <a:r>
-                      <a:rPr lang="en-US"/>
-                      <a:t>30
+                      <a:rPr lang="en-US" dirty="0"/>
+                      <a:t>9</a:t>
+                    </a:r>
+                    <a:r>
+                      <a:rPr lang="en-US" dirty="0" smtClean="0"/>
+                      <a:t>0</a:t>
+                    </a:r>
+                    <a:r>
+                      <a:rPr lang="en-US" dirty="0"/>
+                      <a:t>
 17%</a:t>
                     </a:r>
                   </a:p>
@@ -7621,8 +7629,16 @@
                   <a:lstStyle/>
                   <a:p>
                     <a:r>
-                      <a:rPr lang="en-US"/>
-                      <a:t>90
+                      <a:rPr lang="en-US" dirty="0"/>
+                      <a:t>3</a:t>
+                    </a:r>
+                    <a:r>
+                      <a:rPr lang="en-US" dirty="0" smtClean="0"/>
+                      <a:t>0</a:t>
+                    </a:r>
+                    <a:r>
+                      <a:rPr lang="en-US" dirty="0"/>
+                      <a:t>
 50%</a:t>
                     </a:r>
                   </a:p>
@@ -7874,11 +7890,11 @@
           <c:showBubbleSize val="0"/>
         </c:dLbls>
         <c:gapWidth val="150"/>
-        <c:axId val="-2144733000"/>
-        <c:axId val="-2144730024"/>
+        <c:axId val="-2137938376"/>
+        <c:axId val="-2137935400"/>
       </c:barChart>
       <c:catAx>
-        <c:axId val="-2144733000"/>
+        <c:axId val="-2137938376"/>
         <c:scaling>
           <c:orientation val="minMax"/>
         </c:scaling>
@@ -7888,7 +7904,7 @@
         <c:majorTickMark val="out"/>
         <c:minorTickMark val="none"/>
         <c:tickLblPos val="nextTo"/>
-        <c:crossAx val="-2144730024"/>
+        <c:crossAx val="-2137935400"/>
         <c:crosses val="autoZero"/>
         <c:auto val="1"/>
         <c:lblAlgn val="ctr"/>
@@ -7896,7 +7912,7 @@
         <c:noMultiLvlLbl val="0"/>
       </c:catAx>
       <c:valAx>
-        <c:axId val="-2144730024"/>
+        <c:axId val="-2137935400"/>
         <c:scaling>
           <c:orientation val="minMax"/>
         </c:scaling>
@@ -7907,7 +7923,7 @@
         <c:majorTickMark val="out"/>
         <c:minorTickMark val="none"/>
         <c:tickLblPos val="nextTo"/>
-        <c:crossAx val="-2144733000"/>
+        <c:crossAx val="-2137938376"/>
         <c:crosses val="autoZero"/>
         <c:crossBetween val="between"/>
       </c:valAx>
@@ -8263,11 +8279,11 @@
           <c:showBubbleSize val="0"/>
         </c:dLbls>
         <c:gapWidth val="150"/>
-        <c:axId val="2098255208"/>
-        <c:axId val="2098258344"/>
+        <c:axId val="-2138117768"/>
+        <c:axId val="-2138123752"/>
       </c:barChart>
       <c:catAx>
-        <c:axId val="2098255208"/>
+        <c:axId val="-2138117768"/>
         <c:scaling>
           <c:orientation val="minMax"/>
         </c:scaling>
@@ -8277,7 +8293,7 @@
         <c:majorTickMark val="out"/>
         <c:minorTickMark val="none"/>
         <c:tickLblPos val="nextTo"/>
-        <c:crossAx val="2098258344"/>
+        <c:crossAx val="-2138123752"/>
         <c:crosses val="autoZero"/>
         <c:auto val="1"/>
         <c:lblAlgn val="ctr"/>
@@ -8285,7 +8301,7 @@
         <c:noMultiLvlLbl val="0"/>
       </c:catAx>
       <c:valAx>
-        <c:axId val="2098258344"/>
+        <c:axId val="-2138123752"/>
         <c:scaling>
           <c:orientation val="minMax"/>
         </c:scaling>
@@ -8296,7 +8312,7 @@
         <c:majorTickMark val="out"/>
         <c:minorTickMark val="none"/>
         <c:tickLblPos val="nextTo"/>
-        <c:crossAx val="2098255208"/>
+        <c:crossAx val="-2138117768"/>
         <c:crosses val="autoZero"/>
         <c:crossBetween val="between"/>
       </c:valAx>
@@ -9203,7 +9219,7 @@
                   <c:v>999.334049258065</c:v>
                 </c:pt>
                 <c:pt idx="14">
-                  <c:v>915.5470083998358</c:v>
+                  <c:v>915.5470083998357</c:v>
                 </c:pt>
                 <c:pt idx="15">
                   <c:v>906.273145130942</c:v>
@@ -9221,7 +9237,7 @@
                   <c:v>675.432072899661</c:v>
                 </c:pt>
                 <c:pt idx="20">
-                  <c:v>617.5630694859915</c:v>
+                  <c:v>617.5630694859913</c:v>
                 </c:pt>
                 <c:pt idx="21">
                   <c:v>514.653630672845</c:v>
@@ -9266,7 +9282,7 @@
                   <c:v>216.40332941762</c:v>
                 </c:pt>
                 <c:pt idx="35">
-                  <c:v>205.8731502219648</c:v>
+                  <c:v>205.8731502219647</c:v>
                 </c:pt>
                 <c:pt idx="36">
                   <c:v>205.0193022041258</c:v>
@@ -9314,10 +9330,10 @@
                   <c:v>94.78827538919958</c:v>
                 </c:pt>
                 <c:pt idx="51">
-                  <c:v>90.81505653958575</c:v>
+                  <c:v>90.81505653958574</c:v>
                 </c:pt>
                 <c:pt idx="52">
-                  <c:v>89.50543321613175</c:v>
+                  <c:v>89.50543321613173</c:v>
                 </c:pt>
                 <c:pt idx="53">
                   <c:v>87.5829176008473</c:v>
@@ -9338,13 +9354,13 @@
                   <c:v>82.6232155818805</c:v>
                 </c:pt>
                 <c:pt idx="59">
-                  <c:v>82.62234265644562</c:v>
+                  <c:v>82.62234265644558</c:v>
                 </c:pt>
                 <c:pt idx="60">
                   <c:v>80.55170119995738</c:v>
                 </c:pt>
                 <c:pt idx="61">
-                  <c:v>80.48537236320114</c:v>
+                  <c:v>80.48537236320112</c:v>
                 </c:pt>
                 <c:pt idx="62">
                   <c:v>78.5172122703489</c:v>
@@ -9353,7 +9369,7 @@
                   <c:v>77.630414595835</c:v>
                 </c:pt>
                 <c:pt idx="64">
-                  <c:v>77.14473815793534</c:v>
+                  <c:v>77.14473815793532</c:v>
                 </c:pt>
                 <c:pt idx="65">
                   <c:v>76.35146874379818</c:v>
@@ -9362,10 +9378,10 @@
                   <c:v>76.27569065710068</c:v>
                 </c:pt>
                 <c:pt idx="67">
-                  <c:v>75.52693027345384</c:v>
+                  <c:v>75.52693027345381</c:v>
                 </c:pt>
                 <c:pt idx="68">
-                  <c:v>75.32571357565045</c:v>
+                  <c:v>75.32571357565044</c:v>
                 </c:pt>
                 <c:pt idx="69">
                   <c:v>74.6494469241325</c:v>
@@ -9374,13 +9390,13 @@
                   <c:v>74.1674240040589</c:v>
                 </c:pt>
                 <c:pt idx="71">
-                  <c:v>73.73707711188484</c:v>
+                  <c:v>73.73707711188482</c:v>
                 </c:pt>
                 <c:pt idx="72">
                   <c:v>73.39195181416538</c:v>
                 </c:pt>
                 <c:pt idx="73">
-                  <c:v>72.92599293943674</c:v>
+                  <c:v>72.92599293943672</c:v>
                 </c:pt>
                 <c:pt idx="74">
                   <c:v>72.5272676828449</c:v>
@@ -9395,7 +9411,7 @@
                   <c:v>70.5959278192725</c:v>
                 </c:pt>
                 <c:pt idx="78">
-                  <c:v>69.03405195208975</c:v>
+                  <c:v>69.03405195208974</c:v>
                 </c:pt>
                 <c:pt idx="79">
                   <c:v>66.9176266736777</c:v>
@@ -9434,10 +9450,10 @@
                   <c:v>60.4651955392924</c:v>
                 </c:pt>
                 <c:pt idx="91">
-                  <c:v>57.84791049991098</c:v>
+                  <c:v>57.84791049991097</c:v>
                 </c:pt>
                 <c:pt idx="92">
-                  <c:v>56.36666876495638</c:v>
+                  <c:v>56.36666876495637</c:v>
                 </c:pt>
                 <c:pt idx="93">
                   <c:v>56.0619970049441</c:v>
@@ -9455,16 +9471,16 @@
                   <c:v>54.0754720551269</c:v>
                 </c:pt>
                 <c:pt idx="98">
-                  <c:v>52.61424988859688</c:v>
+                  <c:v>52.61424988859687</c:v>
                 </c:pt>
                 <c:pt idx="99">
-                  <c:v>52.45918056174336</c:v>
+                  <c:v>52.45918056174334</c:v>
                 </c:pt>
                 <c:pt idx="100">
-                  <c:v>52.30836719799237</c:v>
+                  <c:v>52.30836719799236</c:v>
                 </c:pt>
                 <c:pt idx="101">
-                  <c:v>50.58704716457868</c:v>
+                  <c:v>50.58704716457867</c:v>
                 </c:pt>
                 <c:pt idx="102">
                   <c:v>49.5173466989588</c:v>
@@ -9482,16 +9498,16 @@
                   <c:v>48.1123154231894</c:v>
                 </c:pt>
                 <c:pt idx="107">
-                  <c:v>46.95794029379066</c:v>
+                  <c:v>46.95794029379064</c:v>
                 </c:pt>
                 <c:pt idx="108">
-                  <c:v>46.68882887331928</c:v>
+                  <c:v>46.68882887331927</c:v>
                 </c:pt>
                 <c:pt idx="109">
                   <c:v>46.322172903505</c:v>
                 </c:pt>
                 <c:pt idx="110">
-                  <c:v>45.68756787661037</c:v>
+                  <c:v>45.68756787661036</c:v>
                 </c:pt>
                 <c:pt idx="111">
                   <c:v>43.232939444899</c:v>
@@ -9515,10 +9531,10 @@
                   <c:v>36.0620564342556</c:v>
                 </c:pt>
                 <c:pt idx="118">
-                  <c:v>34.93647681274368</c:v>
+                  <c:v>34.93647681274367</c:v>
                 </c:pt>
                 <c:pt idx="119">
-                  <c:v>34.88526616365246</c:v>
+                  <c:v>34.88526616365244</c:v>
                 </c:pt>
                 <c:pt idx="120">
                   <c:v>34.7426477847782</c:v>
@@ -9650,7 +9666,7 @@
                   <c:v>18.0340612443355</c:v>
                 </c:pt>
                 <c:pt idx="163">
-                  <c:v>17.48544035997188</c:v>
+                  <c:v>17.48544035997187</c:v>
                 </c:pt>
                 <c:pt idx="164">
                   <c:v>16.2730935522521</c:v>
@@ -9695,10 +9711,10 @@
                   <c:v>10.522946227532</c:v>
                 </c:pt>
                 <c:pt idx="178">
-                  <c:v>9.040854456678126</c:v>
+                  <c:v>9.040854456678124</c:v>
                 </c:pt>
                 <c:pt idx="179">
-                  <c:v>9.040854456678126</c:v>
+                  <c:v>9.040854456678124</c:v>
                 </c:pt>
                 <c:pt idx="180">
                   <c:v>8.80415267840902</c:v>
@@ -9713,10 +9729,10 @@
                   <c:v>8.42081883950402</c:v>
                 </c:pt>
                 <c:pt idx="184">
-                  <c:v>8.258226193058679</c:v>
+                  <c:v>8.258226193058677</c:v>
                 </c:pt>
                 <c:pt idx="185">
-                  <c:v>8.258226193058679</c:v>
+                  <c:v>8.258226193058677</c:v>
                 </c:pt>
                 <c:pt idx="186">
                   <c:v>7.9812445133793</c:v>
@@ -9737,7 +9753,7 @@
                   <c:v>5.266005299831209</c:v>
                 </c:pt>
                 <c:pt idx="192">
-                  <c:v>5.144540508473518</c:v>
+                  <c:v>5.144540508473517</c:v>
                 </c:pt>
                 <c:pt idx="193">
                   <c:v>4.98194974559257</c:v>
@@ -9924,11 +9940,11 @@
         </c:dLbls>
         <c:gapWidth val="219"/>
         <c:overlap val="-27"/>
-        <c:axId val="2070699960"/>
-        <c:axId val="2070703464"/>
+        <c:axId val="-2138247192"/>
+        <c:axId val="-2138261896"/>
       </c:barChart>
       <c:catAx>
-        <c:axId val="2070699960"/>
+        <c:axId val="-2138247192"/>
         <c:scaling>
           <c:orientation val="minMax"/>
         </c:scaling>
@@ -9971,7 +9987,7 @@
             <a:endParaRPr lang="en-US"/>
           </a:p>
         </c:txPr>
-        <c:crossAx val="2070703464"/>
+        <c:crossAx val="-2138261896"/>
         <c:crosses val="autoZero"/>
         <c:auto val="1"/>
         <c:lblAlgn val="ctr"/>
@@ -9979,7 +9995,7 @@
         <c:noMultiLvlLbl val="0"/>
       </c:catAx>
       <c:valAx>
-        <c:axId val="2070703464"/>
+        <c:axId val="-2138261896"/>
         <c:scaling>
           <c:orientation val="minMax"/>
         </c:scaling>
@@ -10030,7 +10046,7 @@
             <a:endParaRPr lang="en-US"/>
           </a:p>
         </c:txPr>
-        <c:crossAx val="2070699960"/>
+        <c:crossAx val="-2138247192"/>
         <c:crosses val="autoZero"/>
         <c:crossBetween val="between"/>
       </c:valAx>
@@ -11673,11 +11689,11 @@
         </c:dLbls>
         <c:gapWidth val="219"/>
         <c:overlap val="-27"/>
-        <c:axId val="2070831432"/>
-        <c:axId val="2070744984"/>
+        <c:axId val="-2138353992"/>
+        <c:axId val="-2138361064"/>
       </c:barChart>
       <c:catAx>
-        <c:axId val="2070831432"/>
+        <c:axId val="-2138353992"/>
         <c:scaling>
           <c:orientation val="minMax"/>
         </c:scaling>
@@ -11720,7 +11736,7 @@
             <a:endParaRPr lang="en-US"/>
           </a:p>
         </c:txPr>
-        <c:crossAx val="2070744984"/>
+        <c:crossAx val="-2138361064"/>
         <c:crosses val="autoZero"/>
         <c:auto val="1"/>
         <c:lblAlgn val="ctr"/>
@@ -11728,7 +11744,7 @@
         <c:noMultiLvlLbl val="0"/>
       </c:catAx>
       <c:valAx>
-        <c:axId val="2070744984"/>
+        <c:axId val="-2138361064"/>
         <c:scaling>
           <c:orientation val="minMax"/>
         </c:scaling>
@@ -11779,7 +11795,7 @@
             <a:endParaRPr lang="en-US"/>
           </a:p>
         </c:txPr>
-        <c:crossAx val="2070831432"/>
+        <c:crossAx val="-2138353992"/>
         <c:crosses val="autoZero"/>
         <c:crossBetween val="between"/>
       </c:valAx>
@@ -13413,11 +13429,11 @@
         </c:dLbls>
         <c:gapWidth val="219"/>
         <c:overlap val="-27"/>
-        <c:axId val="2070329320"/>
-        <c:axId val="2070332840"/>
+        <c:axId val="2070887896"/>
+        <c:axId val="2054392200"/>
       </c:barChart>
       <c:catAx>
-        <c:axId val="2070329320"/>
+        <c:axId val="2070887896"/>
         <c:scaling>
           <c:orientation val="minMax"/>
         </c:scaling>
@@ -13460,7 +13476,7 @@
             <a:endParaRPr lang="en-US"/>
           </a:p>
         </c:txPr>
-        <c:crossAx val="2070332840"/>
+        <c:crossAx val="2054392200"/>
         <c:crosses val="autoZero"/>
         <c:auto val="1"/>
         <c:lblAlgn val="ctr"/>
@@ -13468,7 +13484,7 @@
         <c:noMultiLvlLbl val="0"/>
       </c:catAx>
       <c:valAx>
-        <c:axId val="2070332840"/>
+        <c:axId val="2054392200"/>
         <c:scaling>
           <c:orientation val="minMax"/>
         </c:scaling>
@@ -13519,7 +13535,7 @@
             <a:endParaRPr lang="en-US"/>
           </a:p>
         </c:txPr>
-        <c:crossAx val="2070329320"/>
+        <c:crossAx val="2070887896"/>
         <c:crosses val="autoZero"/>
         <c:crossBetween val="between"/>
       </c:valAx>
@@ -15162,11 +15178,11 @@
         </c:dLbls>
         <c:gapWidth val="219"/>
         <c:overlap val="-27"/>
-        <c:axId val="2070860056"/>
-        <c:axId val="2070863544"/>
+        <c:axId val="2070329128"/>
+        <c:axId val="2070891240"/>
       </c:barChart>
       <c:catAx>
-        <c:axId val="2070860056"/>
+        <c:axId val="2070329128"/>
         <c:scaling>
           <c:orientation val="minMax"/>
         </c:scaling>
@@ -15209,7 +15225,7 @@
             <a:endParaRPr lang="en-US"/>
           </a:p>
         </c:txPr>
-        <c:crossAx val="2070863544"/>
+        <c:crossAx val="2070891240"/>
         <c:crosses val="autoZero"/>
         <c:auto val="1"/>
         <c:lblAlgn val="ctr"/>
@@ -15217,7 +15233,7 @@
         <c:noMultiLvlLbl val="0"/>
       </c:catAx>
       <c:valAx>
-        <c:axId val="2070863544"/>
+        <c:axId val="2070891240"/>
         <c:scaling>
           <c:orientation val="minMax"/>
         </c:scaling>
@@ -15268,7 +15284,7 @@
             <a:endParaRPr lang="en-US"/>
           </a:p>
         </c:txPr>
-        <c:crossAx val="2070860056"/>
+        <c:crossAx val="2070329128"/>
         <c:crosses val="autoZero"/>
         <c:crossBetween val="between"/>
       </c:valAx>
@@ -25515,31 +25531,7 @@
             </a:r>
             <a:r>
               <a:rPr lang="en-US" sz="3600" dirty="0" smtClean="0"/>
-              <a:t>Best Model Predicting </a:t>
-            </a:r>
-            <a:r>
-              <a:rPr lang="en-US" sz="3600" dirty="0" smtClean="0"/>
-              <a:t>Cost</a:t>
-            </a:r>
-            <a:r>
-              <a:rPr lang="en-US" sz="3600" dirty="0" smtClean="0"/>
-              <a:t> </a:t>
-            </a:r>
-            <a:r>
-              <a:rPr lang="en-US" sz="3600" dirty="0" smtClean="0"/>
-              <a:t>+ </a:t>
-            </a:r>
-            <a:r>
-              <a:rPr lang="en-US" sz="3600" dirty="0" smtClean="0"/>
-              <a:t>Risk</a:t>
-            </a:r>
-            <a:r>
-              <a:rPr lang="en-US" sz="3600" dirty="0" smtClean="0"/>
-              <a:t> </a:t>
-            </a:r>
-            <a:r>
-              <a:rPr lang="en-US" sz="3600" dirty="0" smtClean="0"/>
-              <a:t>(Decision Tree 0.01)</a:t>
+              <a:t>Best Model Predicting Cost + Risk (Decision Tree 0.01)</a:t>
             </a:r>
             <a:endParaRPr lang="en-US" sz="3600" dirty="0"/>
           </a:p>
@@ -32498,7 +32490,7 @@
           <p:nvPr>
             <p:extLst>
               <p:ext uri="{D42A27DB-BD31-4B8C-83A1-F6EECF244321}">
-                <p14:modId xmlns:p14="http://schemas.microsoft.com/office/powerpoint/2010/main" val="2229919320"/>
+                <p14:modId xmlns:p14="http://schemas.microsoft.com/office/powerpoint/2010/main" val="3038710035"/>
               </p:ext>
             </p:extLst>
           </p:nvPr>
@@ -38286,7 +38278,7 @@
   <a:extraClrSchemeLst/>
   <a:extLst>
     <a:ext uri="{05A4C25C-085E-4340-85A3-A5531E510DB2}">
-      <thm15:themeFamily xmlns="" xmlns:thm15="http://schemas.microsoft.com/office/thememl/2012/main" name="Office Theme" id="{62F939B6-93AF-4DB8-9C6B-D6C7DFDC589F}" vid="{4A3C46E8-61CC-4603-A589-7422A47A8E4A}"/>
+      <thm15:themeFamily xmlns:thm15="http://schemas.microsoft.com/office/thememl/2012/main" xmlns="" name="Office Theme" id="{62F939B6-93AF-4DB8-9C6B-D6C7DFDC589F}" vid="{4A3C46E8-61CC-4603-A589-7422A47A8E4A}"/>
     </a:ext>
   </a:extLst>
 </a:theme>

--- a/Final - Mid Quarter Update.pptx
+++ b/Final - Mid Quarter Update.pptx
@@ -132,7 +132,7 @@
   </p:defaultTextStyle>
   <p:extLst>
     <p:ext uri="{EFAFB233-063F-42B5-8137-9DF3F51BA10A}">
-      <p15:sldGuideLst xmlns:p15="http://schemas.microsoft.com/office/powerpoint/2012/main" xmlns="">
+      <p15:sldGuideLst xmlns="" xmlns:p15="http://schemas.microsoft.com/office/powerpoint/2012/main">
         <p15:guide id="1" orient="horz" pos="2160">
           <p15:clr>
             <a:srgbClr val="A4A3A4"/>
@@ -1172,7 +1172,7 @@
                   <c:v>954.595127777721</c:v>
                 </c:pt>
                 <c:pt idx="12">
-                  <c:v>929.4317883845197</c:v>
+                  <c:v>929.4317883845196</c:v>
                 </c:pt>
                 <c:pt idx="13">
                   <c:v>926.41570555219</c:v>
@@ -1190,16 +1190,16 @@
                   <c:v>695.123783532038</c:v>
                 </c:pt>
                 <c:pt idx="18">
-                  <c:v>633.5125241317717</c:v>
+                  <c:v>633.5125241317716</c:v>
                 </c:pt>
                 <c:pt idx="19">
-                  <c:v>526.4222627213483</c:v>
+                  <c:v>526.4222627213481</c:v>
                 </c:pt>
                 <c:pt idx="20">
                   <c:v>466.6964388042969</c:v>
                 </c:pt>
                 <c:pt idx="21">
-                  <c:v>463.3711724228847</c:v>
+                  <c:v>463.3711724228846</c:v>
                 </c:pt>
                 <c:pt idx="22">
                   <c:v>412.331754239455</c:v>
@@ -1211,13 +1211,13 @@
                   <c:v>356.1774371670261</c:v>
                 </c:pt>
                 <c:pt idx="25">
-                  <c:v>307.9679199457097</c:v>
+                  <c:v>307.9679199457096</c:v>
                 </c:pt>
                 <c:pt idx="26">
                   <c:v>284.990867085169</c:v>
                 </c:pt>
                 <c:pt idx="27">
-                  <c:v>271.2756780025807</c:v>
+                  <c:v>271.2756780025806</c:v>
                 </c:pt>
                 <c:pt idx="28">
                   <c:v>232.816648785619</c:v>
@@ -1247,13 +1247,13 @@
                   <c:v>67.6939334458915</c:v>
                 </c:pt>
                 <c:pt idx="37">
-                  <c:v>61.54128309983746</c:v>
+                  <c:v>61.54128309983744</c:v>
                 </c:pt>
                 <c:pt idx="38">
                   <c:v>61.4935367855658</c:v>
                 </c:pt>
                 <c:pt idx="39">
-                  <c:v>55.88749118691706</c:v>
+                  <c:v>55.88749118691705</c:v>
                 </c:pt>
                 <c:pt idx="40">
                   <c:v>51.907016181309</c:v>
@@ -1268,7 +1268,7 @@
                   <c:v>48.0616627148795</c:v>
                 </c:pt>
                 <c:pt idx="44">
-                  <c:v>44.85562842790337</c:v>
+                  <c:v>44.85562842790336</c:v>
                 </c:pt>
                 <c:pt idx="45">
                   <c:v>42.4992336325796</c:v>
@@ -1358,7 +1358,7 @@
                   <c:v>16.9053786295012</c:v>
                 </c:pt>
                 <c:pt idx="74">
-                  <c:v>16.38469263236488</c:v>
+                  <c:v>16.38469263236487</c:v>
                 </c:pt>
                 <c:pt idx="75">
                   <c:v>16.2094579287751</c:v>
@@ -1478,7 +1478,7 @@
                   <c:v>9.75820439943879</c:v>
                 </c:pt>
                 <c:pt idx="114">
-                  <c:v>9.73884767147053</c:v>
+                  <c:v>9.738847671470527</c:v>
                 </c:pt>
                 <c:pt idx="115">
                   <c:v>9.51541295320651</c:v>
@@ -1487,7 +1487,7 @@
                   <c:v>9.44634779479897</c:v>
                 </c:pt>
                 <c:pt idx="117">
-                  <c:v>9.264268914546774</c:v>
+                  <c:v>9.264268914546772</c:v>
                 </c:pt>
                 <c:pt idx="118">
                   <c:v>9.12675237928392</c:v>
@@ -1496,19 +1496,19 @@
                   <c:v>9.00952377968464</c:v>
                 </c:pt>
                 <c:pt idx="120">
-                  <c:v>8.819320040555523</c:v>
+                  <c:v>8.819320040555521</c:v>
                 </c:pt>
                 <c:pt idx="121">
                   <c:v>8.53118921561215</c:v>
                 </c:pt>
                 <c:pt idx="122">
-                  <c:v>8.530147021496374</c:v>
+                  <c:v>8.530147021496372</c:v>
                 </c:pt>
                 <c:pt idx="123">
                   <c:v>8.39834987720162</c:v>
                 </c:pt>
                 <c:pt idx="124">
-                  <c:v>8.275212862075824</c:v>
+                  <c:v>8.275212862075822</c:v>
                 </c:pt>
                 <c:pt idx="125">
                   <c:v>7.81649146050299</c:v>
@@ -1526,19 +1526,19 @@
                   <c:v>7.23542500561109</c:v>
                 </c:pt>
                 <c:pt idx="130">
-                  <c:v>7.207410740483957</c:v>
+                  <c:v>7.207410740483956</c:v>
                 </c:pt>
                 <c:pt idx="131">
-                  <c:v>7.128332258680586</c:v>
+                  <c:v>7.128332258680585</c:v>
                 </c:pt>
                 <c:pt idx="132">
                   <c:v>7.124764491453488</c:v>
                 </c:pt>
                 <c:pt idx="133">
-                  <c:v>7.097615597309427</c:v>
+                  <c:v>7.097615597309426</c:v>
                 </c:pt>
                 <c:pt idx="134">
-                  <c:v>6.993904268269647</c:v>
+                  <c:v>6.993904268269646</c:v>
                 </c:pt>
                 <c:pt idx="135">
                   <c:v>6.99282921878375</c:v>
@@ -1556,10 +1556,10 @@
                   <c:v>5.96679153036409</c:v>
                 </c:pt>
                 <c:pt idx="140">
-                  <c:v>5.663469910757797</c:v>
+                  <c:v>5.663469910757796</c:v>
                 </c:pt>
                 <c:pt idx="141">
-                  <c:v>5.647047687265347</c:v>
+                  <c:v>5.647047687265346</c:v>
                 </c:pt>
                 <c:pt idx="142">
                   <c:v>5.46638824354901</c:v>
@@ -1568,7 +1568,7 @@
                   <c:v>5.300356337087067</c:v>
                 </c:pt>
                 <c:pt idx="144">
-                  <c:v>5.171585619738256</c:v>
+                  <c:v>5.171585619738255</c:v>
                 </c:pt>
                 <c:pt idx="145">
                   <c:v>5.14126810759309</c:v>
@@ -1580,10 +1580,10 @@
                   <c:v>5.0575421231343</c:v>
                 </c:pt>
                 <c:pt idx="148">
-                  <c:v>4.934923827115416</c:v>
+                  <c:v>4.934923827115415</c:v>
                 </c:pt>
                 <c:pt idx="149">
-                  <c:v>4.847810967611795</c:v>
+                  <c:v>4.847810967611793</c:v>
                 </c:pt>
                 <c:pt idx="150">
                   <c:v>4.800075130626388</c:v>
@@ -1601,7 +1601,7 @@
                   <c:v>4.30922370242376</c:v>
                 </c:pt>
                 <c:pt idx="155">
-                  <c:v>4.285813552165507</c:v>
+                  <c:v>4.285813552165506</c:v>
                 </c:pt>
                 <c:pt idx="156">
                   <c:v>4.27043058141962</c:v>
@@ -1655,10 +1655,10 @@
                   <c:v>2.551485534286388</c:v>
                 </c:pt>
                 <c:pt idx="173">
-                  <c:v>2.418478919305177</c:v>
+                  <c:v>2.418478919305176</c:v>
                 </c:pt>
                 <c:pt idx="174">
-                  <c:v>2.418478919305177</c:v>
+                  <c:v>2.418478919305176</c:v>
                 </c:pt>
                 <c:pt idx="175">
                   <c:v>2.29410767692794</c:v>
@@ -1673,10 +1673,10 @@
                   <c:v>2.06156805225625</c:v>
                 </c:pt>
                 <c:pt idx="179">
-                  <c:v>2.051069133460087</c:v>
+                  <c:v>2.051069133460086</c:v>
                 </c:pt>
                 <c:pt idx="180">
-                  <c:v>2.051069133460087</c:v>
+                  <c:v>2.051069133460086</c:v>
                 </c:pt>
                 <c:pt idx="181">
                   <c:v>2.01661651253902</c:v>
@@ -1899,11 +1899,11 @@
         </c:dLbls>
         <c:gapWidth val="219"/>
         <c:overlap val="-27"/>
-        <c:axId val="-2139544696"/>
-        <c:axId val="-2140998376"/>
+        <c:axId val="-2142088936"/>
+        <c:axId val="-2142082408"/>
       </c:barChart>
       <c:catAx>
-        <c:axId val="-2139544696"/>
+        <c:axId val="-2142088936"/>
         <c:scaling>
           <c:orientation val="minMax"/>
         </c:scaling>
@@ -1946,7 +1946,7 @@
             <a:endParaRPr lang="en-US"/>
           </a:p>
         </c:txPr>
-        <c:crossAx val="-2140998376"/>
+        <c:crossAx val="-2142082408"/>
         <c:crosses val="autoZero"/>
         <c:auto val="1"/>
         <c:lblAlgn val="ctr"/>
@@ -1954,7 +1954,7 @@
         <c:noMultiLvlLbl val="0"/>
       </c:catAx>
       <c:valAx>
-        <c:axId val="-2140998376"/>
+        <c:axId val="-2142082408"/>
         <c:scaling>
           <c:orientation val="minMax"/>
         </c:scaling>
@@ -2005,7 +2005,7 @@
             <a:endParaRPr lang="en-US"/>
           </a:p>
         </c:txPr>
-        <c:crossAx val="-2139544696"/>
+        <c:crossAx val="-2142088936"/>
         <c:crosses val="autoZero"/>
         <c:crossBetween val="between"/>
       </c:valAx>
@@ -3646,11 +3646,11 @@
         </c:dLbls>
         <c:gapWidth val="219"/>
         <c:overlap val="-27"/>
-        <c:axId val="-2118792200"/>
-        <c:axId val="-2118788696"/>
+        <c:axId val="-2141953384"/>
+        <c:axId val="-2141934984"/>
       </c:barChart>
       <c:catAx>
-        <c:axId val="-2118792200"/>
+        <c:axId val="-2141953384"/>
         <c:scaling>
           <c:orientation val="minMax"/>
         </c:scaling>
@@ -3693,7 +3693,7 @@
             <a:endParaRPr lang="en-US"/>
           </a:p>
         </c:txPr>
-        <c:crossAx val="-2118788696"/>
+        <c:crossAx val="-2141934984"/>
         <c:crosses val="autoZero"/>
         <c:auto val="1"/>
         <c:lblAlgn val="ctr"/>
@@ -3701,7 +3701,7 @@
         <c:noMultiLvlLbl val="0"/>
       </c:catAx>
       <c:valAx>
-        <c:axId val="-2118788696"/>
+        <c:axId val="-2141934984"/>
         <c:scaling>
           <c:orientation val="minMax"/>
         </c:scaling>
@@ -3752,7 +3752,7 @@
             <a:endParaRPr lang="en-US"/>
           </a:p>
         </c:txPr>
-        <c:crossAx val="-2118792200"/>
+        <c:crossAx val="-2141953384"/>
         <c:crosses val="autoZero"/>
         <c:crossBetween val="between"/>
       </c:valAx>
@@ -4643,7 +4643,7 @@
                   <c:v>4556.58005499102</c:v>
                 </c:pt>
                 <c:pt idx="4">
-                  <c:v>4517.073992982256</c:v>
+                  <c:v>4517.073992982255</c:v>
                 </c:pt>
                 <c:pt idx="5">
                   <c:v>4435.08240457895</c:v>
@@ -4655,7 +4655,7 @@
                   <c:v>4391.18790038312</c:v>
                 </c:pt>
                 <c:pt idx="8">
-                  <c:v>4329.280482933477</c:v>
+                  <c:v>4329.280482933476</c:v>
                 </c:pt>
                 <c:pt idx="9">
                   <c:v>4244.96341709792</c:v>
@@ -4721,7 +4721,7 @@
                   <c:v>757.694373805837</c:v>
                 </c:pt>
                 <c:pt idx="30">
-                  <c:v>670.2002284235566</c:v>
+                  <c:v>670.2002284235565</c:v>
                 </c:pt>
                 <c:pt idx="31">
                   <c:v>515.129286554368</c:v>
@@ -4745,10 +4745,10 @@
                   <c:v>297.5895039058919</c:v>
                 </c:pt>
                 <c:pt idx="38">
-                  <c:v>266.4809955781217</c:v>
+                  <c:v>266.4809955781216</c:v>
                 </c:pt>
                 <c:pt idx="39">
-                  <c:v>265.7673552183777</c:v>
+                  <c:v>265.7673552183776</c:v>
                 </c:pt>
                 <c:pt idx="40">
                   <c:v>265.082419381593</c:v>
@@ -4892,7 +4892,7 @@
                   <c:v>101.010942029673</c:v>
                 </c:pt>
                 <c:pt idx="87">
-                  <c:v>99.95779281319766</c:v>
+                  <c:v>99.95779281319764</c:v>
                 </c:pt>
                 <c:pt idx="88">
                   <c:v>98.6714253456129</c:v>
@@ -4913,19 +4913,19 @@
                   <c:v>96.047460928861</c:v>
                 </c:pt>
                 <c:pt idx="94">
-                  <c:v>95.98071254673954</c:v>
+                  <c:v>95.98071254673953</c:v>
                 </c:pt>
                 <c:pt idx="95">
-                  <c:v>95.61894210339786</c:v>
+                  <c:v>95.61894210339784</c:v>
                 </c:pt>
                 <c:pt idx="96">
-                  <c:v>94.17566175541866</c:v>
+                  <c:v>94.17566175541864</c:v>
                 </c:pt>
                 <c:pt idx="97">
-                  <c:v>93.72872530213576</c:v>
+                  <c:v>93.72872530213574</c:v>
                 </c:pt>
                 <c:pt idx="98">
-                  <c:v>92.52330075867972</c:v>
+                  <c:v>92.5233007586797</c:v>
                 </c:pt>
                 <c:pt idx="99">
                   <c:v>91.7336477094972</c:v>
@@ -4937,22 +4937,22 @@
                   <c:v>90.8454484628073</c:v>
                 </c:pt>
                 <c:pt idx="102">
-                  <c:v>90.66739682550482</c:v>
+                  <c:v>90.6673968255048</c:v>
                 </c:pt>
                 <c:pt idx="103">
-                  <c:v>90.64538704729237</c:v>
+                  <c:v>90.64538704729236</c:v>
                 </c:pt>
                 <c:pt idx="104">
                   <c:v>88.2916929235407</c:v>
                 </c:pt>
                 <c:pt idx="105">
-                  <c:v>87.79388645669616</c:v>
+                  <c:v>87.79388645669614</c:v>
                 </c:pt>
                 <c:pt idx="106">
                   <c:v>87.60195859037188</c:v>
                 </c:pt>
                 <c:pt idx="107">
-                  <c:v>87.42578013587922</c:v>
+                  <c:v>87.42578013587919</c:v>
                 </c:pt>
                 <c:pt idx="108">
                   <c:v>87.1466931884013</c:v>
@@ -4961,7 +4961,7 @@
                   <c:v>86.7302282808918</c:v>
                 </c:pt>
                 <c:pt idx="110">
-                  <c:v>85.33502133735453</c:v>
+                  <c:v>85.3350213373545</c:v>
                 </c:pt>
                 <c:pt idx="111">
                   <c:v>84.4536233231851</c:v>
@@ -4970,10 +4970,10 @@
                   <c:v>82.56413351878258</c:v>
                 </c:pt>
                 <c:pt idx="113">
-                  <c:v>79.69915125398154</c:v>
+                  <c:v>79.69915125398153</c:v>
                 </c:pt>
                 <c:pt idx="114">
-                  <c:v>79.35298519721645</c:v>
+                  <c:v>79.35298519721644</c:v>
                 </c:pt>
                 <c:pt idx="115">
                   <c:v>78.9170249687236</c:v>
@@ -4982,7 +4982,7 @@
                   <c:v>77.4334576572042</c:v>
                 </c:pt>
                 <c:pt idx="117">
-                  <c:v>76.59974481589346</c:v>
+                  <c:v>76.59974481589344</c:v>
                 </c:pt>
                 <c:pt idx="118">
                   <c:v>76.2858243842491</c:v>
@@ -4991,7 +4991,7 @@
                   <c:v>74.4281949218334</c:v>
                 </c:pt>
                 <c:pt idx="120">
-                  <c:v>74.38236497350557</c:v>
+                  <c:v>74.38236497350556</c:v>
                 </c:pt>
                 <c:pt idx="121">
                   <c:v>74.27294447469868</c:v>
@@ -5000,10 +5000,10 @@
                   <c:v>72.8479168793936</c:v>
                 </c:pt>
                 <c:pt idx="123">
-                  <c:v>72.07538761082468</c:v>
+                  <c:v>72.07538761082465</c:v>
                 </c:pt>
                 <c:pt idx="124">
-                  <c:v>71.52716683945336</c:v>
+                  <c:v>71.52716683945334</c:v>
                 </c:pt>
                 <c:pt idx="125">
                   <c:v>68.51678405740788</c:v>
@@ -5033,13 +5033,13 @@
                   <c:v>63.7619177128948</c:v>
                 </c:pt>
                 <c:pt idx="134">
-                  <c:v>63.35025137896247</c:v>
+                  <c:v>63.35025137896246</c:v>
                 </c:pt>
                 <c:pt idx="135">
                   <c:v>62.830635100333</c:v>
                 </c:pt>
                 <c:pt idx="136">
-                  <c:v>62.51536042726687</c:v>
+                  <c:v>62.51536042726686</c:v>
                 </c:pt>
                 <c:pt idx="137">
                   <c:v>58.3208723546502</c:v>
@@ -5060,10 +5060,10 @@
                   <c:v>55.9323825009305</c:v>
                 </c:pt>
                 <c:pt idx="143">
-                  <c:v>53.88452721578377</c:v>
+                  <c:v>53.88452721578376</c:v>
                 </c:pt>
                 <c:pt idx="144">
-                  <c:v>52.71318906576616</c:v>
+                  <c:v>52.71318906576614</c:v>
                 </c:pt>
                 <c:pt idx="145">
                   <c:v>51.405772264933</c:v>
@@ -5078,13 +5078,13 @@
                   <c:v>45.5532239242881</c:v>
                 </c:pt>
                 <c:pt idx="149">
-                  <c:v>44.83169845514936</c:v>
+                  <c:v>44.83169845514934</c:v>
                 </c:pt>
                 <c:pt idx="150">
                   <c:v>44.6274711897753</c:v>
                 </c:pt>
                 <c:pt idx="151">
-                  <c:v>44.11418336719617</c:v>
+                  <c:v>44.11418336719616</c:v>
                 </c:pt>
                 <c:pt idx="152">
                   <c:v>43.8693047632758</c:v>
@@ -5093,7 +5093,7 @@
                   <c:v>40.6958242020233</c:v>
                 </c:pt>
                 <c:pt idx="154">
-                  <c:v>40.36849149730236</c:v>
+                  <c:v>40.36849149730234</c:v>
                 </c:pt>
                 <c:pt idx="155">
                   <c:v>40.16765436991317</c:v>
@@ -5102,13 +5102,13 @@
                   <c:v>40.0580037875042</c:v>
                 </c:pt>
                 <c:pt idx="157">
-                  <c:v>39.68113051061357</c:v>
+                  <c:v>39.68113051061356</c:v>
                 </c:pt>
                 <c:pt idx="158">
                   <c:v>35.3905818198368</c:v>
                 </c:pt>
                 <c:pt idx="159">
-                  <c:v>35.06645545504867</c:v>
+                  <c:v>35.06645545504866</c:v>
                 </c:pt>
                 <c:pt idx="160">
                   <c:v>34.2533837085735</c:v>
@@ -5123,13 +5123,13 @@
                   <c:v>30.5000012029919</c:v>
                 </c:pt>
                 <c:pt idx="164">
-                  <c:v>29.94253481614898</c:v>
+                  <c:v>29.94253481614897</c:v>
                 </c:pt>
                 <c:pt idx="165">
-                  <c:v>29.91634603034937</c:v>
+                  <c:v>29.91634603034936</c:v>
                 </c:pt>
                 <c:pt idx="166">
-                  <c:v>29.58347358690137</c:v>
+                  <c:v>29.58347358690136</c:v>
                 </c:pt>
                 <c:pt idx="167">
                   <c:v>28.66901454269041</c:v>
@@ -5138,7 +5138,7 @@
                   <c:v>27.7670400069148</c:v>
                 </c:pt>
                 <c:pt idx="169">
-                  <c:v>27.74529428347337</c:v>
+                  <c:v>27.74529428347336</c:v>
                 </c:pt>
                 <c:pt idx="170">
                   <c:v>27.0369073686906</c:v>
@@ -5246,16 +5246,16 @@
                   <c:v>5.85375615257452</c:v>
                 </c:pt>
                 <c:pt idx="205">
-                  <c:v>4.803187168234417</c:v>
+                  <c:v>4.803187168234416</c:v>
                 </c:pt>
                 <c:pt idx="206">
                   <c:v>4.686435264210067</c:v>
                 </c:pt>
                 <c:pt idx="207">
-                  <c:v>4.548690877851717</c:v>
+                  <c:v>4.548690877851716</c:v>
                 </c:pt>
                 <c:pt idx="208">
-                  <c:v>4.548690877851717</c:v>
+                  <c:v>4.548690877851716</c:v>
                 </c:pt>
                 <c:pt idx="209">
                   <c:v>4.35370991225125</c:v>
@@ -5264,31 +5264,31 @@
                   <c:v>4.35370991225125</c:v>
                 </c:pt>
                 <c:pt idx="211">
-                  <c:v>3.446459159316227</c:v>
+                  <c:v>3.446459159316226</c:v>
                 </c:pt>
                 <c:pt idx="212">
-                  <c:v>3.446459159316227</c:v>
+                  <c:v>3.446459159316226</c:v>
                 </c:pt>
                 <c:pt idx="213">
-                  <c:v>3.446459159316227</c:v>
+                  <c:v>3.446459159316226</c:v>
                 </c:pt>
                 <c:pt idx="214">
-                  <c:v>3.446459159316227</c:v>
+                  <c:v>3.446459159316226</c:v>
                 </c:pt>
                 <c:pt idx="215">
-                  <c:v>3.446459159316227</c:v>
+                  <c:v>3.446459159316226</c:v>
                 </c:pt>
                 <c:pt idx="216">
-                  <c:v>3.446459159316227</c:v>
+                  <c:v>3.446459159316226</c:v>
                 </c:pt>
                 <c:pt idx="217">
-                  <c:v>3.446459159316227</c:v>
+                  <c:v>3.446459159316226</c:v>
                 </c:pt>
                 <c:pt idx="218">
-                  <c:v>3.446459159316227</c:v>
+                  <c:v>3.446459159316226</c:v>
                 </c:pt>
                 <c:pt idx="219">
-                  <c:v>3.446459159316227</c:v>
+                  <c:v>3.446459159316226</c:v>
                 </c:pt>
                 <c:pt idx="220">
                   <c:v>3.34069410081232</c:v>
@@ -5394,11 +5394,11 @@
         </c:dLbls>
         <c:gapWidth val="219"/>
         <c:overlap val="-27"/>
-        <c:axId val="-2118741384"/>
-        <c:axId val="-2118737720"/>
+        <c:axId val="2098251864"/>
+        <c:axId val="2098255512"/>
       </c:barChart>
       <c:catAx>
-        <c:axId val="-2118741384"/>
+        <c:axId val="2098251864"/>
         <c:scaling>
           <c:orientation val="minMax"/>
         </c:scaling>
@@ -5441,7 +5441,7 @@
             <a:endParaRPr lang="en-US"/>
           </a:p>
         </c:txPr>
-        <c:crossAx val="-2118737720"/>
+        <c:crossAx val="2098255512"/>
         <c:crosses val="autoZero"/>
         <c:auto val="1"/>
         <c:lblAlgn val="ctr"/>
@@ -5449,7 +5449,7 @@
         <c:noMultiLvlLbl val="0"/>
       </c:catAx>
       <c:valAx>
-        <c:axId val="-2118737720"/>
+        <c:axId val="2098255512"/>
         <c:scaling>
           <c:orientation val="minMax"/>
         </c:scaling>
@@ -5500,7 +5500,7 @@
             <a:endParaRPr lang="en-US"/>
           </a:p>
         </c:txPr>
-        <c:crossAx val="-2118741384"/>
+        <c:crossAx val="2098251864"/>
         <c:crosses val="autoZero"/>
         <c:crossBetween val="between"/>
       </c:valAx>
@@ -7144,11 +7144,11 @@
         </c:dLbls>
         <c:gapWidth val="219"/>
         <c:overlap val="-27"/>
-        <c:axId val="-2118700456"/>
-        <c:axId val="-2118696952"/>
+        <c:axId val="2070886216"/>
+        <c:axId val="2070889720"/>
       </c:barChart>
       <c:catAx>
-        <c:axId val="-2118700456"/>
+        <c:axId val="2070886216"/>
         <c:scaling>
           <c:orientation val="minMax"/>
         </c:scaling>
@@ -7191,7 +7191,7 @@
             <a:endParaRPr lang="en-US"/>
           </a:p>
         </c:txPr>
-        <c:crossAx val="-2118696952"/>
+        <c:crossAx val="2070889720"/>
         <c:crosses val="autoZero"/>
         <c:auto val="1"/>
         <c:lblAlgn val="ctr"/>
@@ -7199,7 +7199,7 @@
         <c:noMultiLvlLbl val="0"/>
       </c:catAx>
       <c:valAx>
-        <c:axId val="-2118696952"/>
+        <c:axId val="2070889720"/>
         <c:scaling>
           <c:orientation val="minMax"/>
         </c:scaling>
@@ -7250,7 +7250,7 @@
             <a:endParaRPr lang="en-US"/>
           </a:p>
         </c:txPr>
-        <c:crossAx val="-2118700456"/>
+        <c:crossAx val="2070886216"/>
         <c:crosses val="autoZero"/>
         <c:crossBetween val="between"/>
       </c:valAx>
@@ -7432,11 +7432,11 @@
           <c:showBubbleSize val="0"/>
         </c:dLbls>
         <c:gapWidth val="150"/>
-        <c:axId val="-2137284776"/>
-        <c:axId val="-2137281800"/>
+        <c:axId val="-2143474088"/>
+        <c:axId val="2053115176"/>
       </c:barChart>
       <c:catAx>
-        <c:axId val="-2137284776"/>
+        <c:axId val="-2143474088"/>
         <c:scaling>
           <c:orientation val="minMax"/>
         </c:scaling>
@@ -7446,7 +7446,7 @@
         <c:majorTickMark val="out"/>
         <c:minorTickMark val="none"/>
         <c:tickLblPos val="nextTo"/>
-        <c:crossAx val="-2137281800"/>
+        <c:crossAx val="2053115176"/>
         <c:crosses val="autoZero"/>
         <c:auto val="1"/>
         <c:lblAlgn val="ctr"/>
@@ -7454,7 +7454,7 @@
         <c:noMultiLvlLbl val="0"/>
       </c:catAx>
       <c:valAx>
-        <c:axId val="-2137281800"/>
+        <c:axId val="2053115176"/>
         <c:scaling>
           <c:orientation val="minMax"/>
         </c:scaling>
@@ -7465,7 +7465,7 @@
         <c:majorTickMark val="out"/>
         <c:minorTickMark val="none"/>
         <c:tickLblPos val="nextTo"/>
-        <c:crossAx val="-2137284776"/>
+        <c:crossAx val="-2143474088"/>
         <c:crosses val="autoZero"/>
         <c:crossBetween val="between"/>
       </c:valAx>
@@ -7890,11 +7890,11 @@
           <c:showBubbleSize val="0"/>
         </c:dLbls>
         <c:gapWidth val="150"/>
-        <c:axId val="-2137938376"/>
-        <c:axId val="-2137935400"/>
+        <c:axId val="-2143420616"/>
+        <c:axId val="-2137413400"/>
       </c:barChart>
       <c:catAx>
-        <c:axId val="-2137938376"/>
+        <c:axId val="-2143420616"/>
         <c:scaling>
           <c:orientation val="minMax"/>
         </c:scaling>
@@ -7904,7 +7904,7 @@
         <c:majorTickMark val="out"/>
         <c:minorTickMark val="none"/>
         <c:tickLblPos val="nextTo"/>
-        <c:crossAx val="-2137935400"/>
+        <c:crossAx val="-2137413400"/>
         <c:crosses val="autoZero"/>
         <c:auto val="1"/>
         <c:lblAlgn val="ctr"/>
@@ -7912,7 +7912,7 @@
         <c:noMultiLvlLbl val="0"/>
       </c:catAx>
       <c:valAx>
-        <c:axId val="-2137935400"/>
+        <c:axId val="-2137413400"/>
         <c:scaling>
           <c:orientation val="minMax"/>
         </c:scaling>
@@ -7923,7 +7923,7 @@
         <c:majorTickMark val="out"/>
         <c:minorTickMark val="none"/>
         <c:tickLblPos val="nextTo"/>
-        <c:crossAx val="-2137938376"/>
+        <c:crossAx val="-2143420616"/>
         <c:crosses val="autoZero"/>
         <c:crossBetween val="between"/>
       </c:valAx>
@@ -8279,11 +8279,11 @@
           <c:showBubbleSize val="0"/>
         </c:dLbls>
         <c:gapWidth val="150"/>
-        <c:axId val="-2138117768"/>
-        <c:axId val="-2138123752"/>
+        <c:axId val="-2118218616"/>
+        <c:axId val="-2118215480"/>
       </c:barChart>
       <c:catAx>
-        <c:axId val="-2138117768"/>
+        <c:axId val="-2118218616"/>
         <c:scaling>
           <c:orientation val="minMax"/>
         </c:scaling>
@@ -8293,7 +8293,7 @@
         <c:majorTickMark val="out"/>
         <c:minorTickMark val="none"/>
         <c:tickLblPos val="nextTo"/>
-        <c:crossAx val="-2138123752"/>
+        <c:crossAx val="-2118215480"/>
         <c:crosses val="autoZero"/>
         <c:auto val="1"/>
         <c:lblAlgn val="ctr"/>
@@ -8301,7 +8301,7 @@
         <c:noMultiLvlLbl val="0"/>
       </c:catAx>
       <c:valAx>
-        <c:axId val="-2138123752"/>
+        <c:axId val="-2118215480"/>
         <c:scaling>
           <c:orientation val="minMax"/>
         </c:scaling>
@@ -8312,7 +8312,7 @@
         <c:majorTickMark val="out"/>
         <c:minorTickMark val="none"/>
         <c:tickLblPos val="nextTo"/>
-        <c:crossAx val="-2138117768"/>
+        <c:crossAx val="-2118218616"/>
         <c:crosses val="autoZero"/>
         <c:crossBetween val="between"/>
       </c:valAx>
@@ -9219,7 +9219,7 @@
                   <c:v>999.334049258065</c:v>
                 </c:pt>
                 <c:pt idx="14">
-                  <c:v>915.5470083998357</c:v>
+                  <c:v>915.5470083998356</c:v>
                 </c:pt>
                 <c:pt idx="15">
                   <c:v>906.273145130942</c:v>
@@ -9237,7 +9237,7 @@
                   <c:v>675.432072899661</c:v>
                 </c:pt>
                 <c:pt idx="20">
-                  <c:v>617.5630694859913</c:v>
+                  <c:v>617.5630694859912</c:v>
                 </c:pt>
                 <c:pt idx="21">
                   <c:v>514.653630672845</c:v>
@@ -9330,10 +9330,10 @@
                   <c:v>94.78827538919958</c:v>
                 </c:pt>
                 <c:pt idx="51">
-                  <c:v>90.81505653958574</c:v>
+                  <c:v>90.81505653958573</c:v>
                 </c:pt>
                 <c:pt idx="52">
-                  <c:v>89.50543321613173</c:v>
+                  <c:v>89.50543321613171</c:v>
                 </c:pt>
                 <c:pt idx="53">
                   <c:v>87.5829176008473</c:v>
@@ -9354,13 +9354,13 @@
                   <c:v>82.6232155818805</c:v>
                 </c:pt>
                 <c:pt idx="59">
-                  <c:v>82.62234265644558</c:v>
+                  <c:v>82.62234265644555</c:v>
                 </c:pt>
                 <c:pt idx="60">
                   <c:v>80.55170119995738</c:v>
                 </c:pt>
                 <c:pt idx="61">
-                  <c:v>80.48537236320112</c:v>
+                  <c:v>80.48537236320109</c:v>
                 </c:pt>
                 <c:pt idx="62">
                   <c:v>78.5172122703489</c:v>
@@ -9369,7 +9369,7 @@
                   <c:v>77.630414595835</c:v>
                 </c:pt>
                 <c:pt idx="64">
-                  <c:v>77.14473815793532</c:v>
+                  <c:v>77.14473815793529</c:v>
                 </c:pt>
                 <c:pt idx="65">
                   <c:v>76.35146874379818</c:v>
@@ -9378,10 +9378,10 @@
                   <c:v>76.27569065710068</c:v>
                 </c:pt>
                 <c:pt idx="67">
-                  <c:v>75.52693027345381</c:v>
+                  <c:v>75.52693027345379</c:v>
                 </c:pt>
                 <c:pt idx="68">
-                  <c:v>75.32571357565044</c:v>
+                  <c:v>75.32571357565043</c:v>
                 </c:pt>
                 <c:pt idx="69">
                   <c:v>74.6494469241325</c:v>
@@ -9390,13 +9390,13 @@
                   <c:v>74.1674240040589</c:v>
                 </c:pt>
                 <c:pt idx="71">
-                  <c:v>73.73707711188482</c:v>
+                  <c:v>73.73707711188479</c:v>
                 </c:pt>
                 <c:pt idx="72">
                   <c:v>73.39195181416538</c:v>
                 </c:pt>
                 <c:pt idx="73">
-                  <c:v>72.92599293943672</c:v>
+                  <c:v>72.9259929394367</c:v>
                 </c:pt>
                 <c:pt idx="74">
                   <c:v>72.5272676828449</c:v>
@@ -9411,7 +9411,7 @@
                   <c:v>70.5959278192725</c:v>
                 </c:pt>
                 <c:pt idx="78">
-                  <c:v>69.03405195208974</c:v>
+                  <c:v>69.03405195208973</c:v>
                 </c:pt>
                 <c:pt idx="79">
                   <c:v>66.9176266736777</c:v>
@@ -9474,13 +9474,13 @@
                   <c:v>52.61424988859687</c:v>
                 </c:pt>
                 <c:pt idx="99">
-                  <c:v>52.45918056174334</c:v>
+                  <c:v>52.45918056174332</c:v>
                 </c:pt>
                 <c:pt idx="100">
-                  <c:v>52.30836719799236</c:v>
+                  <c:v>52.30836719799235</c:v>
                 </c:pt>
                 <c:pt idx="101">
-                  <c:v>50.58704716457867</c:v>
+                  <c:v>50.58704716457866</c:v>
                 </c:pt>
                 <c:pt idx="102">
                   <c:v>49.5173466989588</c:v>
@@ -9498,7 +9498,7 @@
                   <c:v>48.1123154231894</c:v>
                 </c:pt>
                 <c:pt idx="107">
-                  <c:v>46.95794029379064</c:v>
+                  <c:v>46.95794029379063</c:v>
                 </c:pt>
                 <c:pt idx="108">
                   <c:v>46.68882887331927</c:v>
@@ -9507,7 +9507,7 @@
                   <c:v>46.322172903505</c:v>
                 </c:pt>
                 <c:pt idx="110">
-                  <c:v>45.68756787661036</c:v>
+                  <c:v>45.68756787661034</c:v>
                 </c:pt>
                 <c:pt idx="111">
                   <c:v>43.232939444899</c:v>
@@ -9531,10 +9531,10 @@
                   <c:v>36.0620564342556</c:v>
                 </c:pt>
                 <c:pt idx="118">
-                  <c:v>34.93647681274367</c:v>
+                  <c:v>34.93647681274366</c:v>
                 </c:pt>
                 <c:pt idx="119">
-                  <c:v>34.88526616365244</c:v>
+                  <c:v>34.88526616365242</c:v>
                 </c:pt>
                 <c:pt idx="120">
                   <c:v>34.7426477847782</c:v>
@@ -9666,7 +9666,7 @@
                   <c:v>18.0340612443355</c:v>
                 </c:pt>
                 <c:pt idx="163">
-                  <c:v>17.48544035997187</c:v>
+                  <c:v>17.48544035997186</c:v>
                 </c:pt>
                 <c:pt idx="164">
                   <c:v>16.2730935522521</c:v>
@@ -9711,10 +9711,10 @@
                   <c:v>10.522946227532</c:v>
                 </c:pt>
                 <c:pt idx="178">
-                  <c:v>9.040854456678124</c:v>
+                  <c:v>9.040854456678122</c:v>
                 </c:pt>
                 <c:pt idx="179">
-                  <c:v>9.040854456678124</c:v>
+                  <c:v>9.040854456678122</c:v>
                 </c:pt>
                 <c:pt idx="180">
                   <c:v>8.80415267840902</c:v>
@@ -9729,10 +9729,10 @@
                   <c:v>8.42081883950402</c:v>
                 </c:pt>
                 <c:pt idx="184">
-                  <c:v>8.258226193058677</c:v>
+                  <c:v>8.258226193058675</c:v>
                 </c:pt>
                 <c:pt idx="185">
-                  <c:v>8.258226193058677</c:v>
+                  <c:v>8.258226193058675</c:v>
                 </c:pt>
                 <c:pt idx="186">
                   <c:v>7.9812445133793</c:v>
@@ -9753,7 +9753,7 @@
                   <c:v>5.266005299831209</c:v>
                 </c:pt>
                 <c:pt idx="192">
-                  <c:v>5.144540508473517</c:v>
+                  <c:v>5.144540508473516</c:v>
                 </c:pt>
                 <c:pt idx="193">
                   <c:v>4.98194974559257</c:v>
@@ -9940,11 +9940,11 @@
         </c:dLbls>
         <c:gapWidth val="219"/>
         <c:overlap val="-27"/>
-        <c:axId val="-2138247192"/>
-        <c:axId val="-2138261896"/>
+        <c:axId val="-2141836008"/>
+        <c:axId val="-2141849032"/>
       </c:barChart>
       <c:catAx>
-        <c:axId val="-2138247192"/>
+        <c:axId val="-2141836008"/>
         <c:scaling>
           <c:orientation val="minMax"/>
         </c:scaling>
@@ -9987,7 +9987,7 @@
             <a:endParaRPr lang="en-US"/>
           </a:p>
         </c:txPr>
-        <c:crossAx val="-2138261896"/>
+        <c:crossAx val="-2141849032"/>
         <c:crosses val="autoZero"/>
         <c:auto val="1"/>
         <c:lblAlgn val="ctr"/>
@@ -9995,7 +9995,7 @@
         <c:noMultiLvlLbl val="0"/>
       </c:catAx>
       <c:valAx>
-        <c:axId val="-2138261896"/>
+        <c:axId val="-2141849032"/>
         <c:scaling>
           <c:orientation val="minMax"/>
         </c:scaling>
@@ -10046,7 +10046,7 @@
             <a:endParaRPr lang="en-US"/>
           </a:p>
         </c:txPr>
-        <c:crossAx val="-2138247192"/>
+        <c:crossAx val="-2141836008"/>
         <c:crosses val="autoZero"/>
         <c:crossBetween val="between"/>
       </c:valAx>
@@ -11689,11 +11689,11 @@
         </c:dLbls>
         <c:gapWidth val="219"/>
         <c:overlap val="-27"/>
-        <c:axId val="-2138353992"/>
-        <c:axId val="-2138361064"/>
+        <c:axId val="-2141559400"/>
+        <c:axId val="-2141567400"/>
       </c:barChart>
       <c:catAx>
-        <c:axId val="-2138353992"/>
+        <c:axId val="-2141559400"/>
         <c:scaling>
           <c:orientation val="minMax"/>
         </c:scaling>
@@ -11736,7 +11736,7 @@
             <a:endParaRPr lang="en-US"/>
           </a:p>
         </c:txPr>
-        <c:crossAx val="-2138361064"/>
+        <c:crossAx val="-2141567400"/>
         <c:crosses val="autoZero"/>
         <c:auto val="1"/>
         <c:lblAlgn val="ctr"/>
@@ -11744,7 +11744,7 @@
         <c:noMultiLvlLbl val="0"/>
       </c:catAx>
       <c:valAx>
-        <c:axId val="-2138361064"/>
+        <c:axId val="-2141567400"/>
         <c:scaling>
           <c:orientation val="minMax"/>
         </c:scaling>
@@ -11795,7 +11795,7 @@
             <a:endParaRPr lang="en-US"/>
           </a:p>
         </c:txPr>
-        <c:crossAx val="-2138353992"/>
+        <c:crossAx val="-2141559400"/>
         <c:crosses val="autoZero"/>
         <c:crossBetween val="between"/>
       </c:valAx>
@@ -13429,11 +13429,11 @@
         </c:dLbls>
         <c:gapWidth val="219"/>
         <c:overlap val="-27"/>
-        <c:axId val="2070887896"/>
-        <c:axId val="2054392200"/>
+        <c:axId val="-2118407880"/>
+        <c:axId val="-2119133304"/>
       </c:barChart>
       <c:catAx>
-        <c:axId val="2070887896"/>
+        <c:axId val="-2118407880"/>
         <c:scaling>
           <c:orientation val="minMax"/>
         </c:scaling>
@@ -13476,7 +13476,7 @@
             <a:endParaRPr lang="en-US"/>
           </a:p>
         </c:txPr>
-        <c:crossAx val="2054392200"/>
+        <c:crossAx val="-2119133304"/>
         <c:crosses val="autoZero"/>
         <c:auto val="1"/>
         <c:lblAlgn val="ctr"/>
@@ -13484,7 +13484,7 @@
         <c:noMultiLvlLbl val="0"/>
       </c:catAx>
       <c:valAx>
-        <c:axId val="2054392200"/>
+        <c:axId val="-2119133304"/>
         <c:scaling>
           <c:orientation val="minMax"/>
         </c:scaling>
@@ -13535,7 +13535,7 @@
             <a:endParaRPr lang="en-US"/>
           </a:p>
         </c:txPr>
-        <c:crossAx val="2070887896"/>
+        <c:crossAx val="-2118407880"/>
         <c:crosses val="autoZero"/>
         <c:crossBetween val="between"/>
       </c:valAx>
@@ -15178,11 +15178,11 @@
         </c:dLbls>
         <c:gapWidth val="219"/>
         <c:overlap val="-27"/>
-        <c:axId val="2070329128"/>
-        <c:axId val="2070891240"/>
+        <c:axId val="-2141879608"/>
+        <c:axId val="-2142199096"/>
       </c:barChart>
       <c:catAx>
-        <c:axId val="2070329128"/>
+        <c:axId val="-2141879608"/>
         <c:scaling>
           <c:orientation val="minMax"/>
         </c:scaling>
@@ -15225,7 +15225,7 @@
             <a:endParaRPr lang="en-US"/>
           </a:p>
         </c:txPr>
-        <c:crossAx val="2070891240"/>
+        <c:crossAx val="-2142199096"/>
         <c:crosses val="autoZero"/>
         <c:auto val="1"/>
         <c:lblAlgn val="ctr"/>
@@ -15233,7 +15233,7 @@
         <c:noMultiLvlLbl val="0"/>
       </c:catAx>
       <c:valAx>
-        <c:axId val="2070891240"/>
+        <c:axId val="-2142199096"/>
         <c:scaling>
           <c:orientation val="minMax"/>
         </c:scaling>
@@ -15284,7 +15284,7 @@
             <a:endParaRPr lang="en-US"/>
           </a:p>
         </c:txPr>
-        <c:crossAx val="2070329128"/>
+        <c:crossAx val="-2141879608"/>
         <c:crosses val="autoZero"/>
         <c:crossBetween val="between"/>
       </c:valAx>
@@ -29808,8 +29808,25 @@
                   </a:schemeClr>
                 </a:solidFill>
               </a:rPr>
-              <a:t>Mutual Information</a:t>
+              <a:t>Mutual </a:t>
             </a:r>
+            <a:r>
+              <a:rPr lang="en-US" dirty="0" smtClean="0">
+                <a:solidFill>
+                  <a:schemeClr val="accent2">
+                    <a:lumMod val="50000"/>
+                  </a:schemeClr>
+                </a:solidFill>
+              </a:rPr>
+              <a:t>Information</a:t>
+            </a:r>
+            <a:endParaRPr lang="en-US" dirty="0" smtClean="0">
+              <a:solidFill>
+                <a:schemeClr val="accent2">
+                  <a:lumMod val="50000"/>
+                </a:schemeClr>
+              </a:solidFill>
+            </a:endParaRPr>
           </a:p>
           <a:p>
             <a:pPr algn="ctr"/>
@@ -29825,16 +29842,18 @@
           <a:p>
             <a:pPr algn="ctr"/>
             <a:r>
-              <a:rPr lang="en-US" dirty="0" err="1" smtClean="0">
+              <a:rPr lang="en-US" dirty="0" err="1">
                 <a:solidFill>
-                  <a:srgbClr val="4F7921"/>
+                  <a:schemeClr val="accent2">
+                    <a:lumMod val="50000"/>
+                  </a:schemeClr>
                 </a:solidFill>
               </a:rPr>
               <a:t>FSelector</a:t>
             </a:r>
             <a:endParaRPr lang="en-US" dirty="0" smtClean="0">
               <a:solidFill>
-                <a:srgbClr val="4F7921"/>
+                <a:srgbClr val="660066"/>
               </a:solidFill>
             </a:endParaRPr>
           </a:p>
@@ -38278,7 +38297,7 @@
   <a:extraClrSchemeLst/>
   <a:extLst>
     <a:ext uri="{05A4C25C-085E-4340-85A3-A5531E510DB2}">
-      <thm15:themeFamily xmlns:thm15="http://schemas.microsoft.com/office/thememl/2012/main" xmlns="" name="Office Theme" id="{62F939B6-93AF-4DB8-9C6B-D6C7DFDC589F}" vid="{4A3C46E8-61CC-4603-A589-7422A47A8E4A}"/>
+      <thm15:themeFamily xmlns="" xmlns:thm15="http://schemas.microsoft.com/office/thememl/2012/main" name="Office Theme" id="{62F939B6-93AF-4DB8-9C6B-D6C7DFDC589F}" vid="{4A3C46E8-61CC-4603-A589-7422A47A8E4A}"/>
     </a:ext>
   </a:extLst>
 </a:theme>
